--- a/cibei-outline.pptx
+++ b/cibei-outline.pptx
@@ -288,7 +288,7 @@
           <a:p>
             <a:fld id="{530820CF-B880-4189-942D-D702A7CBA730}" type="datetimeFigureOut">
               <a:rPr lang="zh-CN" altLang="en-US" smtClean="0"/>
-              <a:t>2018/3/1</a:t>
+              <a:t>2018/3/2</a:t>
             </a:fld>
             <a:endParaRPr lang="zh-CN" altLang="en-US"/>
           </a:p>
@@ -453,7 +453,7 @@
           <a:p>
             <a:fld id="{530820CF-B880-4189-942D-D702A7CBA730}" type="datetimeFigureOut">
               <a:rPr lang="zh-CN" altLang="en-US" smtClean="0"/>
-              <a:t>2018/3/1</a:t>
+              <a:t>2018/3/2</a:t>
             </a:fld>
             <a:endParaRPr lang="zh-CN" altLang="en-US"/>
           </a:p>
@@ -628,7 +628,7 @@
           <a:p>
             <a:fld id="{530820CF-B880-4189-942D-D702A7CBA730}" type="datetimeFigureOut">
               <a:rPr lang="zh-CN" altLang="en-US" smtClean="0"/>
-              <a:t>2018/3/1</a:t>
+              <a:t>2018/3/2</a:t>
             </a:fld>
             <a:endParaRPr lang="zh-CN" altLang="en-US"/>
           </a:p>
@@ -793,7 +793,7 @@
           <a:p>
             <a:fld id="{530820CF-B880-4189-942D-D702A7CBA730}" type="datetimeFigureOut">
               <a:rPr lang="zh-CN" altLang="en-US" smtClean="0"/>
-              <a:t>2018/3/1</a:t>
+              <a:t>2018/3/2</a:t>
             </a:fld>
             <a:endParaRPr lang="zh-CN" altLang="en-US"/>
           </a:p>
@@ -1034,7 +1034,7 @@
           <a:p>
             <a:fld id="{530820CF-B880-4189-942D-D702A7CBA730}" type="datetimeFigureOut">
               <a:rPr lang="zh-CN" altLang="en-US" smtClean="0"/>
-              <a:t>2018/3/1</a:t>
+              <a:t>2018/3/2</a:t>
             </a:fld>
             <a:endParaRPr lang="zh-CN" altLang="en-US"/>
           </a:p>
@@ -1317,7 +1317,7 @@
           <a:p>
             <a:fld id="{530820CF-B880-4189-942D-D702A7CBA730}" type="datetimeFigureOut">
               <a:rPr lang="zh-CN" altLang="en-US" smtClean="0"/>
-              <a:t>2018/3/1</a:t>
+              <a:t>2018/3/2</a:t>
             </a:fld>
             <a:endParaRPr lang="zh-CN" altLang="en-US"/>
           </a:p>
@@ -1734,7 +1734,7 @@
           <a:p>
             <a:fld id="{530820CF-B880-4189-942D-D702A7CBA730}" type="datetimeFigureOut">
               <a:rPr lang="zh-CN" altLang="en-US" smtClean="0"/>
-              <a:t>2018/3/1</a:t>
+              <a:t>2018/3/2</a:t>
             </a:fld>
             <a:endParaRPr lang="zh-CN" altLang="en-US"/>
           </a:p>
@@ -1847,7 +1847,7 @@
           <a:p>
             <a:fld id="{530820CF-B880-4189-942D-D702A7CBA730}" type="datetimeFigureOut">
               <a:rPr lang="zh-CN" altLang="en-US" smtClean="0"/>
-              <a:t>2018/3/1</a:t>
+              <a:t>2018/3/2</a:t>
             </a:fld>
             <a:endParaRPr lang="zh-CN" altLang="en-US"/>
           </a:p>
@@ -1937,7 +1937,7 @@
           <a:p>
             <a:fld id="{530820CF-B880-4189-942D-D702A7CBA730}" type="datetimeFigureOut">
               <a:rPr lang="zh-CN" altLang="en-US" smtClean="0"/>
-              <a:t>2018/3/1</a:t>
+              <a:t>2018/3/2</a:t>
             </a:fld>
             <a:endParaRPr lang="zh-CN" altLang="en-US"/>
           </a:p>
@@ -2209,7 +2209,7 @@
           <a:p>
             <a:fld id="{530820CF-B880-4189-942D-D702A7CBA730}" type="datetimeFigureOut">
               <a:rPr lang="zh-CN" altLang="en-US" smtClean="0"/>
-              <a:t>2018/3/1</a:t>
+              <a:t>2018/3/2</a:t>
             </a:fld>
             <a:endParaRPr lang="zh-CN" altLang="en-US"/>
           </a:p>
@@ -2457,7 +2457,7 @@
           <a:p>
             <a:fld id="{530820CF-B880-4189-942D-D702A7CBA730}" type="datetimeFigureOut">
               <a:rPr lang="zh-CN" altLang="en-US" smtClean="0"/>
-              <a:t>2018/3/1</a:t>
+              <a:t>2018/3/2</a:t>
             </a:fld>
             <a:endParaRPr lang="zh-CN" altLang="en-US"/>
           </a:p>
@@ -2665,7 +2665,7 @@
           <a:p>
             <a:fld id="{530820CF-B880-4189-942D-D702A7CBA730}" type="datetimeFigureOut">
               <a:rPr lang="zh-CN" altLang="en-US" smtClean="0"/>
-              <a:t>2018/3/1</a:t>
+              <a:t>2018/3/2</a:t>
             </a:fld>
             <a:endParaRPr lang="zh-CN" altLang="en-US"/>
           </a:p>
@@ -3043,7 +3043,7 @@
         </p:nvSpPr>
         <p:spPr>
           <a:xfrm>
-            <a:off x="1475656" y="1054477"/>
+            <a:off x="1331640" y="1054477"/>
             <a:ext cx="1296144" cy="646331"/>
           </a:xfrm>
           <a:prstGeom prst="rect">
@@ -3074,7 +3074,7 @@
         </p:nvSpPr>
         <p:spPr>
           <a:xfrm>
-            <a:off x="1475656" y="1700808"/>
+            <a:off x="1331640" y="1700808"/>
             <a:ext cx="1296144" cy="3083921"/>
           </a:xfrm>
           <a:prstGeom prst="rect">
@@ -3791,8 +3791,8 @@
         </p:nvSpPr>
         <p:spPr>
           <a:xfrm>
-            <a:off x="6861368" y="4005064"/>
-            <a:ext cx="820229" cy="369332"/>
+            <a:off x="6817502" y="4005064"/>
+            <a:ext cx="864096" cy="369332"/>
           </a:xfrm>
           <a:prstGeom prst="rect">
             <a:avLst/>
@@ -3808,7 +3808,7 @@
             <a:pPr algn="ctr"/>
             <a:r>
               <a:rPr lang="en-US" altLang="zh-CN" dirty="0" smtClean="0"/>
-              <a:t>Druid</a:t>
+              <a:t>Stream</a:t>
             </a:r>
             <a:endParaRPr lang="zh-CN" altLang="en-US" dirty="0"/>
           </a:p>
@@ -3977,8 +3977,8 @@
         </p:nvSpPr>
         <p:spPr>
           <a:xfrm>
-            <a:off x="1475656" y="5229200"/>
-            <a:ext cx="3562861" cy="792088"/>
+            <a:off x="1331640" y="5229200"/>
+            <a:ext cx="3706877" cy="792088"/>
           </a:xfrm>
           <a:prstGeom prst="roundRect">
             <a:avLst/>
@@ -4173,6 +4173,22 @@
               </a:rPr>
               <a:t>ES</a:t>
             </a:r>
+            <a:r>
+              <a:rPr lang="zh-CN" altLang="en-US" dirty="0" smtClean="0">
+                <a:solidFill>
+                  <a:schemeClr val="tx1"/>
+                </a:solidFill>
+              </a:rPr>
+              <a:t>、</a:t>
+            </a:r>
+            <a:r>
+              <a:rPr lang="en-US" altLang="zh-CN" dirty="0" smtClean="0">
+                <a:solidFill>
+                  <a:schemeClr val="tx1"/>
+                </a:solidFill>
+              </a:rPr>
+              <a:t>Druid</a:t>
+            </a:r>
             <a:endParaRPr lang="zh-CN" altLang="en-US" dirty="0" smtClean="0">
               <a:solidFill>
                 <a:schemeClr val="tx1"/>
@@ -4189,7 +4205,7 @@
         </p:nvSpPr>
         <p:spPr>
           <a:xfrm>
-            <a:off x="1475656" y="908720"/>
+            <a:off x="1331640" y="908720"/>
             <a:ext cx="1296144" cy="4032448"/>
           </a:xfrm>
           <a:prstGeom prst="roundRect">
